--- a/04.dubbo_demo/document/dubbo源码分析1-reference bean创建.pptx
+++ b/04.dubbo_demo/document/dubbo源码分析1-reference bean创建.pptx
@@ -208,7 +208,7 @@
           <a:p>
             <a:fld id="{A24470EC-9BB2-47C0-BC15-E1BE469E1A44}" type="datetimeFigureOut">
               <a:rPr lang="zh-CN" altLang="en-US" smtClean="0"/>
-              <a:t>2016/9/3</a:t>
+              <a:t>2016/10/7</a:t>
             </a:fld>
             <a:endParaRPr lang="zh-CN" altLang="en-US"/>
           </a:p>
@@ -373,7 +373,7 @@
           <a:p>
             <a:fld id="{CBBF4566-D28E-4F21-9CA6-C92C78680512}" type="datetimeFigureOut">
               <a:rPr lang="zh-CN" altLang="en-US" smtClean="0"/>
-              <a:t>2016/9/3</a:t>
+              <a:t>2016/10/7</a:t>
             </a:fld>
             <a:endParaRPr lang="zh-CN" altLang="en-US"/>
           </a:p>
@@ -826,7 +826,7 @@
           <a:p>
             <a:fld id="{FE514A0D-6246-45A0-AFCD-05CB06E3D75A}" type="datetime1">
               <a:rPr lang="zh-CN" altLang="en-US" smtClean="0"/>
-              <a:t>2016/9/3</a:t>
+              <a:t>2016/10/7</a:t>
             </a:fld>
             <a:endParaRPr lang="zh-CN" altLang="en-US" dirty="0"/>
           </a:p>
@@ -991,7 +991,7 @@
           <a:p>
             <a:fld id="{AE5463FA-5733-4E22-A176-CA0F8E59A78F}" type="datetime1">
               <a:rPr lang="zh-CN" altLang="en-US" smtClean="0"/>
-              <a:t>2016/9/3</a:t>
+              <a:t>2016/10/7</a:t>
             </a:fld>
             <a:endParaRPr lang="zh-CN" altLang="en-US"/>
           </a:p>
@@ -1166,7 +1166,7 @@
           <a:p>
             <a:fld id="{AB202E1E-E171-4D05-9995-782F74FA70A7}" type="datetime1">
               <a:rPr lang="zh-CN" altLang="en-US" smtClean="0"/>
-              <a:t>2016/9/3</a:t>
+              <a:t>2016/10/7</a:t>
             </a:fld>
             <a:endParaRPr lang="zh-CN" altLang="en-US"/>
           </a:p>
@@ -1331,7 +1331,7 @@
           <a:p>
             <a:fld id="{B34AA640-87DE-403B-AC78-F6FEE0B57B5D}" type="datetime1">
               <a:rPr lang="zh-CN" altLang="en-US" smtClean="0"/>
-              <a:t>2016/9/3</a:t>
+              <a:t>2016/10/7</a:t>
             </a:fld>
             <a:endParaRPr lang="zh-CN" altLang="en-US"/>
           </a:p>
@@ -1572,7 +1572,7 @@
           <a:p>
             <a:fld id="{A0663606-6224-48AC-A9C3-01536FF5A8D3}" type="datetime1">
               <a:rPr lang="zh-CN" altLang="en-US" smtClean="0"/>
-              <a:t>2016/9/3</a:t>
+              <a:t>2016/10/7</a:t>
             </a:fld>
             <a:endParaRPr lang="zh-CN" altLang="en-US"/>
           </a:p>
@@ -1855,7 +1855,7 @@
           <a:p>
             <a:fld id="{BCFAA94D-CC7D-4797-A37E-F6E45888FFD3}" type="datetime1">
               <a:rPr lang="zh-CN" altLang="en-US" smtClean="0"/>
-              <a:t>2016/9/3</a:t>
+              <a:t>2016/10/7</a:t>
             </a:fld>
             <a:endParaRPr lang="zh-CN" altLang="en-US"/>
           </a:p>
@@ -2272,7 +2272,7 @@
           <a:p>
             <a:fld id="{CB3D4EC1-D5F4-4EA7-BEE4-003887811976}" type="datetime1">
               <a:rPr lang="zh-CN" altLang="en-US" smtClean="0"/>
-              <a:t>2016/9/3</a:t>
+              <a:t>2016/10/7</a:t>
             </a:fld>
             <a:endParaRPr lang="zh-CN" altLang="en-US"/>
           </a:p>
@@ -2385,7 +2385,7 @@
           <a:p>
             <a:fld id="{A3F3B0D5-BEE7-46BD-8C3C-1F24935BD2BA}" type="datetime1">
               <a:rPr lang="zh-CN" altLang="en-US" smtClean="0"/>
-              <a:t>2016/9/3</a:t>
+              <a:t>2016/10/7</a:t>
             </a:fld>
             <a:endParaRPr lang="zh-CN" altLang="en-US"/>
           </a:p>
@@ -2475,7 +2475,7 @@
           <a:p>
             <a:fld id="{BAA94D51-A23F-4C7E-ACB9-F69CEC11A8FE}" type="datetime1">
               <a:rPr lang="zh-CN" altLang="en-US" smtClean="0"/>
-              <a:t>2016/9/3</a:t>
+              <a:t>2016/10/7</a:t>
             </a:fld>
             <a:endParaRPr lang="zh-CN" altLang="en-US"/>
           </a:p>
@@ -2747,7 +2747,7 @@
           <a:p>
             <a:fld id="{2F94AAA0-004A-44A7-9D1C-22721FA89EC0}" type="datetime1">
               <a:rPr lang="zh-CN" altLang="en-US" smtClean="0"/>
-              <a:t>2016/9/3</a:t>
+              <a:t>2016/10/7</a:t>
             </a:fld>
             <a:endParaRPr lang="zh-CN" altLang="en-US"/>
           </a:p>
@@ -2995,7 +2995,7 @@
           <a:p>
             <a:fld id="{F570CB73-500B-46CB-B603-E25A55C666EC}" type="datetime1">
               <a:rPr lang="zh-CN" altLang="en-US" smtClean="0"/>
-              <a:t>2016/9/3</a:t>
+              <a:t>2016/10/7</a:t>
             </a:fld>
             <a:endParaRPr lang="zh-CN" altLang="en-US"/>
           </a:p>
@@ -3217,7 +3217,7 @@
           <a:p>
             <a:fld id="{E708D0EF-A89D-41AA-A2B5-7C45C89333AE}" type="datetime1">
               <a:rPr lang="zh-CN" altLang="en-US" smtClean="0"/>
-              <a:t>2016/9/3</a:t>
+              <a:t>2016/10/7</a:t>
             </a:fld>
             <a:endParaRPr lang="zh-CN" altLang="en-US"/>
           </a:p>
@@ -3614,11 +3614,7 @@
             </a:r>
             <a:r>
               <a:rPr lang="zh-CN" altLang="en-US" dirty="0" smtClean="0"/>
-              <a:t>源码</a:t>
-            </a:r>
-            <a:r>
-              <a:rPr lang="zh-CN" altLang="en-US" dirty="0" smtClean="0"/>
-              <a:t>学习</a:t>
+              <a:t>源码学习</a:t>
             </a:r>
             <a:r>
               <a:rPr lang="en-US" altLang="zh-CN" dirty="0"/>
@@ -3639,7 +3635,6 @@
               <a:rPr lang="zh-CN" altLang="en-US" dirty="0"/>
               <a:t>创建</a:t>
             </a:r>
-            <a:endParaRPr lang="zh-CN" altLang="en-US" dirty="0"/>
           </a:p>
         </p:txBody>
       </p:sp>
@@ -3680,7 +3675,7 @@
                   <a:srgbClr val="FF9900"/>
                 </a:solidFill>
               </a:rPr>
-              <a:t>20120903</a:t>
+              <a:t>20160903</a:t>
             </a:r>
             <a:endParaRPr lang="zh-CN" altLang="en-US" dirty="0">
               <a:solidFill>
@@ -3707,7 +3702,7 @@
           <a:p>
             <a:fld id="{DC0212C2-3CC8-4688-A0F8-3B0C9C548618}" type="datetime1">
               <a:rPr lang="zh-CN" altLang="en-US" smtClean="0"/>
-              <a:t>2016/9/3</a:t>
+              <a:t>2016/10/7</a:t>
             </a:fld>
             <a:endParaRPr lang="zh-CN" altLang="en-US" dirty="0"/>
           </a:p>
@@ -4608,7 +4603,7 @@
           <a:p>
             <a:fld id="{9F5F70F1-CB5D-4B93-BC1F-645497FA59B9}" type="datetime1">
               <a:rPr lang="zh-CN" altLang="en-US" smtClean="0"/>
-              <a:t>2016/9/3</a:t>
+              <a:t>2016/10/7</a:t>
             </a:fld>
             <a:endParaRPr lang="zh-CN" altLang="en-US"/>
           </a:p>
@@ -5354,7 +5349,7 @@
           <a:p>
             <a:fld id="{A75E0B93-03BC-460F-9D5A-2E2449B501CF}" type="datetime1">
               <a:rPr lang="zh-CN" altLang="en-US" smtClean="0"/>
-              <a:t>2016/9/3</a:t>
+              <a:t>2016/10/7</a:t>
             </a:fld>
             <a:endParaRPr lang="zh-CN" altLang="en-US"/>
           </a:p>
@@ -6264,7 +6259,7 @@
           <a:p>
             <a:fld id="{B6C12886-C405-497A-AB36-8E2FB7AD6F29}" type="datetime1">
               <a:rPr lang="zh-CN" altLang="en-US" smtClean="0"/>
-              <a:t>2016/9/3</a:t>
+              <a:t>2016/10/7</a:t>
             </a:fld>
             <a:endParaRPr lang="zh-CN" altLang="en-US"/>
           </a:p>
@@ -6549,7 +6544,7 @@
           <a:p>
             <a:fld id="{B34AA640-87DE-403B-AC78-F6FEE0B57B5D}" type="datetime1">
               <a:rPr lang="zh-CN" altLang="en-US" smtClean="0"/>
-              <a:t>2016/9/3</a:t>
+              <a:t>2016/10/7</a:t>
             </a:fld>
             <a:endParaRPr lang="zh-CN" altLang="en-US"/>
           </a:p>
@@ -6767,7 +6762,7 @@
           <a:p>
             <a:fld id="{B34AA640-87DE-403B-AC78-F6FEE0B57B5D}" type="datetime1">
               <a:rPr lang="zh-CN" altLang="en-US" smtClean="0"/>
-              <a:t>2016/9/3</a:t>
+              <a:t>2016/10/7</a:t>
             </a:fld>
             <a:endParaRPr lang="zh-CN" altLang="en-US"/>
           </a:p>
@@ -7128,7 +7123,7 @@
           <a:p>
             <a:fld id="{F898E3C4-5DDB-4D6C-935D-75C2DD9717ED}" type="datetime1">
               <a:rPr lang="zh-CN" altLang="en-US" smtClean="0"/>
-              <a:t>2016/9/3</a:t>
+              <a:t>2016/10/7</a:t>
             </a:fld>
             <a:endParaRPr lang="zh-CN" altLang="en-US"/>
           </a:p>
@@ -7309,7 +7304,7 @@
           <a:p>
             <a:fld id="{CA5B3527-02E3-4E09-8FE0-3020BA3FA0F0}" type="datetime1">
               <a:rPr lang="zh-CN" altLang="en-US" smtClean="0"/>
-              <a:t>2016/9/3</a:t>
+              <a:t>2016/10/7</a:t>
             </a:fld>
             <a:endParaRPr lang="zh-CN" altLang="en-US"/>
           </a:p>
@@ -7980,7 +7975,7 @@
           <a:p>
             <a:fld id="{9A922ABD-F899-4005-981C-CAFAC3FEE8CD}" type="datetime1">
               <a:rPr lang="zh-CN" altLang="en-US" smtClean="0"/>
-              <a:t>2016/9/3</a:t>
+              <a:t>2016/10/7</a:t>
             </a:fld>
             <a:endParaRPr lang="zh-CN" altLang="en-US"/>
           </a:p>
@@ -8158,7 +8153,7 @@
           <a:p>
             <a:fld id="{CD6F8D4C-E600-4E8E-B702-1991FB6DB9C6}" type="datetime1">
               <a:rPr lang="zh-CN" altLang="en-US" smtClean="0"/>
-              <a:t>2016/9/3</a:t>
+              <a:t>2016/10/7</a:t>
             </a:fld>
             <a:endParaRPr lang="zh-CN" altLang="en-US"/>
           </a:p>
@@ -8579,7 +8574,7 @@
           <a:p>
             <a:fld id="{F629F6AB-3691-433D-BBEF-24AA07226D91}" type="datetime1">
               <a:rPr lang="zh-CN" altLang="en-US" smtClean="0"/>
-              <a:t>2016/9/3</a:t>
+              <a:t>2016/10/7</a:t>
             </a:fld>
             <a:endParaRPr lang="zh-CN" altLang="en-US"/>
           </a:p>
@@ -8887,7 +8882,7 @@
           <a:p>
             <a:fld id="{557789A7-3DFC-4B6C-A6B9-303C865EBBAF}" type="datetime1">
               <a:rPr lang="zh-CN" altLang="en-US" smtClean="0"/>
-              <a:t>2016/9/3</a:t>
+              <a:t>2016/10/7</a:t>
             </a:fld>
             <a:endParaRPr lang="zh-CN" altLang="en-US"/>
           </a:p>
@@ -9359,7 +9354,7 @@
           <a:p>
             <a:fld id="{8B7A0C37-80C1-4F97-AB88-25E36D6E4FA6}" type="datetime1">
               <a:rPr lang="zh-CN" altLang="en-US" smtClean="0"/>
-              <a:t>2016/9/3</a:t>
+              <a:t>2016/10/7</a:t>
             </a:fld>
             <a:endParaRPr lang="zh-CN" altLang="en-US"/>
           </a:p>
@@ -9997,7 +9992,7 @@
           <a:p>
             <a:fld id="{3AD05829-ABFE-44E7-84F7-EE7D600A23F2}" type="datetime1">
               <a:rPr lang="zh-CN" altLang="en-US" smtClean="0"/>
-              <a:t>2016/9/3</a:t>
+              <a:t>2016/10/7</a:t>
             </a:fld>
             <a:endParaRPr lang="zh-CN" altLang="en-US"/>
           </a:p>
